--- a/report/figures.pptx
+++ b/report/figures.pptx
@@ -8,6 +8,7 @@
     <p:sldId id="256" r:id="rId2"/>
     <p:sldId id="257" r:id="rId3"/>
     <p:sldId id="258" r:id="rId4"/>
+    <p:sldId id="259" r:id="rId5"/>
   </p:sldIdLst>
   <p:sldSz cx="12192000" cy="6858000"/>
   <p:notesSz cx="6858000" cy="9144000"/>
@@ -243,7 +244,7 @@
           <a:p>
             <a:fld id="{3B633F2A-A00F-47B7-A818-E61FBFAD4EDC}" type="datetimeFigureOut">
               <a:rPr lang="en-US" smtClean="0"/>
-              <a:t>10/31/2016</a:t>
+              <a:t>11/23/2016</a:t>
             </a:fld>
             <a:endParaRPr lang="en-US"/>
           </a:p>
@@ -411,7 +412,7 @@
           <a:p>
             <a:fld id="{3B633F2A-A00F-47B7-A818-E61FBFAD4EDC}" type="datetimeFigureOut">
               <a:rPr lang="en-US" smtClean="0"/>
-              <a:t>10/31/2016</a:t>
+              <a:t>11/23/2016</a:t>
             </a:fld>
             <a:endParaRPr lang="en-US"/>
           </a:p>
@@ -589,7 +590,7 @@
           <a:p>
             <a:fld id="{3B633F2A-A00F-47B7-A818-E61FBFAD4EDC}" type="datetimeFigureOut">
               <a:rPr lang="en-US" smtClean="0"/>
-              <a:t>10/31/2016</a:t>
+              <a:t>11/23/2016</a:t>
             </a:fld>
             <a:endParaRPr lang="en-US"/>
           </a:p>
@@ -757,7 +758,7 @@
           <a:p>
             <a:fld id="{3B633F2A-A00F-47B7-A818-E61FBFAD4EDC}" type="datetimeFigureOut">
               <a:rPr lang="en-US" smtClean="0"/>
-              <a:t>10/31/2016</a:t>
+              <a:t>11/23/2016</a:t>
             </a:fld>
             <a:endParaRPr lang="en-US"/>
           </a:p>
@@ -1002,7 +1003,7 @@
           <a:p>
             <a:fld id="{3B633F2A-A00F-47B7-A818-E61FBFAD4EDC}" type="datetimeFigureOut">
               <a:rPr lang="en-US" smtClean="0"/>
-              <a:t>10/31/2016</a:t>
+              <a:t>11/23/2016</a:t>
             </a:fld>
             <a:endParaRPr lang="en-US"/>
           </a:p>
@@ -1231,7 +1232,7 @@
           <a:p>
             <a:fld id="{3B633F2A-A00F-47B7-A818-E61FBFAD4EDC}" type="datetimeFigureOut">
               <a:rPr lang="en-US" smtClean="0"/>
-              <a:t>10/31/2016</a:t>
+              <a:t>11/23/2016</a:t>
             </a:fld>
             <a:endParaRPr lang="en-US"/>
           </a:p>
@@ -1595,7 +1596,7 @@
           <a:p>
             <a:fld id="{3B633F2A-A00F-47B7-A818-E61FBFAD4EDC}" type="datetimeFigureOut">
               <a:rPr lang="en-US" smtClean="0"/>
-              <a:t>10/31/2016</a:t>
+              <a:t>11/23/2016</a:t>
             </a:fld>
             <a:endParaRPr lang="en-US"/>
           </a:p>
@@ -1712,7 +1713,7 @@
           <a:p>
             <a:fld id="{3B633F2A-A00F-47B7-A818-E61FBFAD4EDC}" type="datetimeFigureOut">
               <a:rPr lang="en-US" smtClean="0"/>
-              <a:t>10/31/2016</a:t>
+              <a:t>11/23/2016</a:t>
             </a:fld>
             <a:endParaRPr lang="en-US"/>
           </a:p>
@@ -1807,7 +1808,7 @@
           <a:p>
             <a:fld id="{3B633F2A-A00F-47B7-A818-E61FBFAD4EDC}" type="datetimeFigureOut">
               <a:rPr lang="en-US" smtClean="0"/>
-              <a:t>10/31/2016</a:t>
+              <a:t>11/23/2016</a:t>
             </a:fld>
             <a:endParaRPr lang="en-US"/>
           </a:p>
@@ -2082,7 +2083,7 @@
           <a:p>
             <a:fld id="{3B633F2A-A00F-47B7-A818-E61FBFAD4EDC}" type="datetimeFigureOut">
               <a:rPr lang="en-US" smtClean="0"/>
-              <a:t>10/31/2016</a:t>
+              <a:t>11/23/2016</a:t>
             </a:fld>
             <a:endParaRPr lang="en-US"/>
           </a:p>
@@ -2334,7 +2335,7 @@
           <a:p>
             <a:fld id="{3B633F2A-A00F-47B7-A818-E61FBFAD4EDC}" type="datetimeFigureOut">
               <a:rPr lang="en-US" smtClean="0"/>
-              <a:t>10/31/2016</a:t>
+              <a:t>11/23/2016</a:t>
             </a:fld>
             <a:endParaRPr lang="en-US"/>
           </a:p>
@@ -2545,7 +2546,7 @@
           <a:p>
             <a:fld id="{3B633F2A-A00F-47B7-A818-E61FBFAD4EDC}" type="datetimeFigureOut">
               <a:rPr lang="en-US" smtClean="0"/>
-              <a:t>10/31/2016</a:t>
+              <a:t>11/23/2016</a:t>
             </a:fld>
             <a:endParaRPr lang="en-US"/>
           </a:p>
@@ -2952,18 +2953,21 @@
       </p:grpSpPr>
       <p:sp>
         <p:nvSpPr>
-          <p:cNvPr id="5" name="Cloud 4"/>
-          <p:cNvSpPr/>
-          <p:nvPr/>
-        </p:nvSpPr>
-        <p:spPr>
-          <a:xfrm>
-            <a:off x="196425" y="876450"/>
-            <a:ext cx="2226860" cy="771098"/>
-          </a:xfrm>
-          <a:prstGeom prst="cloud">
-            <a:avLst/>
-          </a:prstGeom>
+          <p:cNvPr id="37" name="Flowchart: Multidocument 36"/>
+          <p:cNvSpPr/>
+          <p:nvPr/>
+        </p:nvSpPr>
+        <p:spPr>
+          <a:xfrm>
+            <a:off x="3011095" y="4937125"/>
+            <a:ext cx="1712794" cy="993021"/>
+          </a:xfrm>
+          <a:prstGeom prst="flowChartMultidocument">
+            <a:avLst/>
+          </a:prstGeom>
+          <a:solidFill>
+            <a:schemeClr val="bg1"/>
+          </a:solidFill>
         </p:spPr>
         <p:style>
           <a:lnRef idx="2">
@@ -2987,28 +2991,32 @@
           <a:p>
             <a:pPr algn="ctr"/>
             <a:r>
-              <a:rPr lang="en-US" sz="1400" dirty="0"/>
-              <a:t>Wikipedia</a:t>
-            </a:r>
-          </a:p>
-        </p:txBody>
-      </p:sp>
-      <p:sp>
-        <p:nvSpPr>
-          <p:cNvPr id="8" name="Flowchart: Multidocument 7"/>
-          <p:cNvSpPr/>
-          <p:nvPr/>
-        </p:nvSpPr>
-        <p:spPr>
-          <a:xfrm>
-            <a:off x="453458" y="2295817"/>
-            <a:ext cx="1712794" cy="1098644"/>
+              <a:rPr lang="en-US" sz="1400" dirty="0">
+                <a:solidFill>
+                  <a:schemeClr val="tx1"/>
+                </a:solidFill>
+              </a:rPr>
+              <a:t>Price direction 1,5,20 days</a:t>
+            </a:r>
+          </a:p>
+        </p:txBody>
+      </p:sp>
+      <p:sp>
+        <p:nvSpPr>
+          <p:cNvPr id="38" name="Flowchart: Multidocument 37"/>
+          <p:cNvSpPr/>
+          <p:nvPr/>
+        </p:nvSpPr>
+        <p:spPr>
+          <a:xfrm>
+            <a:off x="4810865" y="4937126"/>
+            <a:ext cx="1717724" cy="993021"/>
           </a:xfrm>
           <a:prstGeom prst="flowChartMultidocument">
             <a:avLst/>
           </a:prstGeom>
           <a:solidFill>
-            <a:srgbClr val="92D050"/>
+            <a:schemeClr val="bg1"/>
           </a:solidFill>
         </p:spPr>
         <p:style>
@@ -3033,26 +3041,33 @@
           <a:p>
             <a:pPr algn="ctr"/>
             <a:r>
-              <a:rPr lang="en-US" sz="1400" dirty="0"/>
-              <a:t>SP500 stocks and indexes</a:t>
-            </a:r>
-          </a:p>
-        </p:txBody>
-      </p:sp>
-      <p:sp>
-        <p:nvSpPr>
-          <p:cNvPr id="9" name="Arrow: Down 8"/>
-          <p:cNvSpPr/>
-          <p:nvPr/>
-        </p:nvSpPr>
-        <p:spPr>
-          <a:xfrm>
-            <a:off x="1069882" y="228181"/>
-            <a:ext cx="491319" cy="648269"/>
-          </a:xfrm>
-          <a:prstGeom prst="downArrow">
-            <a:avLst/>
-          </a:prstGeom>
+              <a:rPr lang="en-US" sz="1400" dirty="0">
+                <a:solidFill>
+                  <a:schemeClr val="tx1"/>
+                </a:solidFill>
+              </a:rPr>
+              <a:t>% short sell</a:t>
+            </a:r>
+          </a:p>
+        </p:txBody>
+      </p:sp>
+      <p:sp>
+        <p:nvSpPr>
+          <p:cNvPr id="39" name="Flowchart: Multidocument 38"/>
+          <p:cNvSpPr/>
+          <p:nvPr/>
+        </p:nvSpPr>
+        <p:spPr>
+          <a:xfrm>
+            <a:off x="6615565" y="4937126"/>
+            <a:ext cx="1717724" cy="993021"/>
+          </a:xfrm>
+          <a:prstGeom prst="flowChartMultidocument">
+            <a:avLst/>
+          </a:prstGeom>
+          <a:solidFill>
+            <a:schemeClr val="bg1"/>
+          </a:solidFill>
         </p:spPr>
         <p:style>
           <a:lnRef idx="2">
@@ -3075,24 +3090,34 @@
           <a:lstStyle/>
           <a:p>
             <a:pPr algn="ctr"/>
-            <a:endParaRPr lang="en-US" sz="1400"/>
-          </a:p>
-        </p:txBody>
-      </p:sp>
-      <p:sp>
-        <p:nvSpPr>
-          <p:cNvPr id="10" name="Arrow: Down 9"/>
-          <p:cNvSpPr/>
-          <p:nvPr/>
-        </p:nvSpPr>
-        <p:spPr>
-          <a:xfrm>
-            <a:off x="1069882" y="1772186"/>
-            <a:ext cx="491319" cy="648269"/>
-          </a:xfrm>
-          <a:prstGeom prst="downArrow">
-            <a:avLst/>
-          </a:prstGeom>
+            <a:r>
+              <a:rPr lang="en-US" sz="1400" dirty="0">
+                <a:solidFill>
+                  <a:schemeClr val="tx1"/>
+                </a:solidFill>
+              </a:rPr>
+              <a:t>Change to Low/ High  on the following day</a:t>
+            </a:r>
+          </a:p>
+        </p:txBody>
+      </p:sp>
+      <p:sp>
+        <p:nvSpPr>
+          <p:cNvPr id="40" name="Flowchart: Multidocument 39"/>
+          <p:cNvSpPr/>
+          <p:nvPr/>
+        </p:nvSpPr>
+        <p:spPr>
+          <a:xfrm>
+            <a:off x="8420265" y="4937125"/>
+            <a:ext cx="1717724" cy="993021"/>
+          </a:xfrm>
+          <a:prstGeom prst="flowChartMultidocument">
+            <a:avLst/>
+          </a:prstGeom>
+          <a:solidFill>
+            <a:schemeClr val="bg1"/>
+          </a:solidFill>
         </p:spPr>
         <p:style>
           <a:lnRef idx="2">
@@ -3115,24 +3140,34 @@
           <a:lstStyle/>
           <a:p>
             <a:pPr algn="ctr"/>
-            <a:endParaRPr lang="en-US" sz="1400"/>
-          </a:p>
-        </p:txBody>
-      </p:sp>
-      <p:sp>
-        <p:nvSpPr>
-          <p:cNvPr id="11" name="Arrow: Down 10"/>
-          <p:cNvSpPr/>
-          <p:nvPr/>
-        </p:nvSpPr>
-        <p:spPr>
-          <a:xfrm rot="14111803">
-            <a:off x="2483134" y="1249054"/>
-            <a:ext cx="491319" cy="880759"/>
-          </a:xfrm>
-          <a:prstGeom prst="downArrow">
-            <a:avLst/>
-          </a:prstGeom>
+            <a:r>
+              <a:rPr lang="en-US" sz="1400" dirty="0">
+                <a:solidFill>
+                  <a:schemeClr val="tx1"/>
+                </a:solidFill>
+              </a:rPr>
+              <a:t>Bull-Bear Spread</a:t>
+            </a:r>
+          </a:p>
+        </p:txBody>
+      </p:sp>
+      <p:sp>
+        <p:nvSpPr>
+          <p:cNvPr id="41" name="Flowchart: Multidocument 40"/>
+          <p:cNvSpPr/>
+          <p:nvPr/>
+        </p:nvSpPr>
+        <p:spPr>
+          <a:xfrm>
+            <a:off x="10224965" y="4915110"/>
+            <a:ext cx="1717724" cy="993021"/>
+          </a:xfrm>
+          <a:prstGeom prst="flowChartMultidocument">
+            <a:avLst/>
+          </a:prstGeom>
+          <a:solidFill>
+            <a:schemeClr val="bg1"/>
+          </a:solidFill>
         </p:spPr>
         <p:style>
           <a:lnRef idx="2">
@@ -3155,20 +3190,27 @@
           <a:lstStyle/>
           <a:p>
             <a:pPr algn="ctr"/>
-            <a:endParaRPr lang="en-US" sz="1400"/>
-          </a:p>
-        </p:txBody>
-      </p:sp>
-      <p:sp>
-        <p:nvSpPr>
-          <p:cNvPr id="12" name="Cloud 11"/>
-          <p:cNvSpPr/>
-          <p:nvPr/>
-        </p:nvSpPr>
-        <p:spPr>
-          <a:xfrm>
-            <a:off x="2685319" y="660550"/>
-            <a:ext cx="9054170" cy="771098"/>
+            <a:r>
+              <a:rPr lang="en-US" sz="1400" dirty="0">
+                <a:solidFill>
+                  <a:schemeClr val="tx1"/>
+                </a:solidFill>
+              </a:rPr>
+              <a:t>Change to Min/Max last 30 days</a:t>
+            </a:r>
+          </a:p>
+        </p:txBody>
+      </p:sp>
+      <p:sp>
+        <p:nvSpPr>
+          <p:cNvPr id="5" name="Cloud 4"/>
+          <p:cNvSpPr/>
+          <p:nvPr/>
+        </p:nvSpPr>
+        <p:spPr>
+          <a:xfrm>
+            <a:off x="196425" y="876450"/>
+            <a:ext cx="2226860" cy="771098"/>
           </a:xfrm>
           <a:prstGeom prst="cloud">
             <a:avLst/>
@@ -3196,29 +3238,28 @@
           <a:p>
             <a:pPr algn="ctr"/>
             <a:r>
-              <a:rPr lang="en-US" sz="1400" dirty="0" err="1"/>
-              <a:t>Quandl</a:t>
-            </a:r>
-            <a:endParaRPr lang="en-US" sz="1400" dirty="0"/>
-          </a:p>
-        </p:txBody>
-      </p:sp>
-      <p:sp>
-        <p:nvSpPr>
-          <p:cNvPr id="14" name="Flowchart: Multidocument 13"/>
-          <p:cNvSpPr/>
-          <p:nvPr/>
-        </p:nvSpPr>
-        <p:spPr>
-          <a:xfrm>
-            <a:off x="2899944" y="2096321"/>
-            <a:ext cx="1712794" cy="812192"/>
+              <a:rPr lang="en-US" sz="1400" dirty="0"/>
+              <a:t>Wikipedia</a:t>
+            </a:r>
+          </a:p>
+        </p:txBody>
+      </p:sp>
+      <p:sp>
+        <p:nvSpPr>
+          <p:cNvPr id="8" name="Flowchart: Multidocument 7"/>
+          <p:cNvSpPr/>
+          <p:nvPr/>
+        </p:nvSpPr>
+        <p:spPr>
+          <a:xfrm>
+            <a:off x="453458" y="2295817"/>
+            <a:ext cx="1712794" cy="1098644"/>
           </a:xfrm>
           <a:prstGeom prst="flowChartMultidocument">
             <a:avLst/>
           </a:prstGeom>
           <a:solidFill>
-            <a:srgbClr val="92D050"/>
+            <a:schemeClr val="bg1"/>
           </a:solidFill>
         </p:spPr>
         <p:style>
@@ -3243,29 +3284,30 @@
           <a:p>
             <a:pPr algn="ctr"/>
             <a:r>
-              <a:rPr lang="en-US" sz="1400" dirty="0"/>
-              <a:t>SP500 index prices</a:t>
-            </a:r>
-          </a:p>
-        </p:txBody>
-      </p:sp>
-      <p:sp>
-        <p:nvSpPr>
-          <p:cNvPr id="15" name="Flowchart: Multidocument 14"/>
-          <p:cNvSpPr/>
-          <p:nvPr/>
-        </p:nvSpPr>
-        <p:spPr>
-          <a:xfrm>
-            <a:off x="4758231" y="2096321"/>
-            <a:ext cx="1712794" cy="812192"/>
-          </a:xfrm>
-          <a:prstGeom prst="flowChartMultidocument">
-            <a:avLst/>
-          </a:prstGeom>
-          <a:solidFill>
-            <a:srgbClr val="92D050"/>
-          </a:solidFill>
+              <a:rPr lang="en-US" sz="1400" dirty="0">
+                <a:solidFill>
+                  <a:schemeClr val="tx1"/>
+                </a:solidFill>
+              </a:rPr>
+              <a:t>SP500 stocks and indexes</a:t>
+            </a:r>
+          </a:p>
+        </p:txBody>
+      </p:sp>
+      <p:sp>
+        <p:nvSpPr>
+          <p:cNvPr id="9" name="Arrow: Down 8"/>
+          <p:cNvSpPr/>
+          <p:nvPr/>
+        </p:nvSpPr>
+        <p:spPr>
+          <a:xfrm>
+            <a:off x="1069882" y="228181"/>
+            <a:ext cx="491319" cy="648269"/>
+          </a:xfrm>
+          <a:prstGeom prst="downArrow">
+            <a:avLst/>
+          </a:prstGeom>
         </p:spPr>
         <p:style>
           <a:lnRef idx="2">
@@ -3288,30 +3330,24 @@
           <a:lstStyle/>
           <a:p>
             <a:pPr algn="ctr"/>
-            <a:r>
-              <a:rPr lang="en-US" sz="1400" dirty="0"/>
-              <a:t>SP500 stock prices</a:t>
-            </a:r>
-          </a:p>
-        </p:txBody>
-      </p:sp>
-      <p:sp>
-        <p:nvSpPr>
-          <p:cNvPr id="17" name="Flowchart: Multidocument 16"/>
-          <p:cNvSpPr/>
-          <p:nvPr/>
-        </p:nvSpPr>
-        <p:spPr>
-          <a:xfrm>
-            <a:off x="6591720" y="2096321"/>
-            <a:ext cx="1712794" cy="812192"/>
-          </a:xfrm>
-          <a:prstGeom prst="flowChartMultidocument">
-            <a:avLst/>
-          </a:prstGeom>
-          <a:solidFill>
-            <a:srgbClr val="92D050"/>
-          </a:solidFill>
+            <a:endParaRPr lang="en-US" sz="1400"/>
+          </a:p>
+        </p:txBody>
+      </p:sp>
+      <p:sp>
+        <p:nvSpPr>
+          <p:cNvPr id="10" name="Arrow: Down 9"/>
+          <p:cNvSpPr/>
+          <p:nvPr/>
+        </p:nvSpPr>
+        <p:spPr>
+          <a:xfrm>
+            <a:off x="1069882" y="1772186"/>
+            <a:ext cx="491319" cy="648269"/>
+          </a:xfrm>
+          <a:prstGeom prst="downArrow">
+            <a:avLst/>
+          </a:prstGeom>
         </p:spPr>
         <p:style>
           <a:lnRef idx="2">
@@ -3334,30 +3370,24 @@
           <a:lstStyle/>
           <a:p>
             <a:pPr algn="ctr"/>
-            <a:r>
-              <a:rPr lang="en-US" sz="1400" dirty="0"/>
-              <a:t>SP500 stock fundamentals</a:t>
-            </a:r>
-          </a:p>
-        </p:txBody>
-      </p:sp>
-      <p:sp>
-        <p:nvSpPr>
-          <p:cNvPr id="19" name="Flowchart: Multidocument 18"/>
-          <p:cNvSpPr/>
-          <p:nvPr/>
-        </p:nvSpPr>
-        <p:spPr>
-          <a:xfrm>
-            <a:off x="8425208" y="2096321"/>
-            <a:ext cx="1712794" cy="812192"/>
-          </a:xfrm>
-          <a:prstGeom prst="flowChartMultidocument">
-            <a:avLst/>
-          </a:prstGeom>
-          <a:solidFill>
-            <a:srgbClr val="92D050"/>
-          </a:solidFill>
+            <a:endParaRPr lang="en-US" sz="1400"/>
+          </a:p>
+        </p:txBody>
+      </p:sp>
+      <p:sp>
+        <p:nvSpPr>
+          <p:cNvPr id="11" name="Arrow: Down 10"/>
+          <p:cNvSpPr/>
+          <p:nvPr/>
+        </p:nvSpPr>
+        <p:spPr>
+          <a:xfrm rot="14111803">
+            <a:off x="2483134" y="1249054"/>
+            <a:ext cx="491319" cy="880759"/>
+          </a:xfrm>
+          <a:prstGeom prst="downArrow">
+            <a:avLst/>
+          </a:prstGeom>
         </p:spPr>
         <p:style>
           <a:lnRef idx="2">
@@ -3380,30 +3410,24 @@
           <a:lstStyle/>
           <a:p>
             <a:pPr algn="ctr"/>
-            <a:r>
-              <a:rPr lang="en-US" sz="1400" dirty="0"/>
-              <a:t>Stock Short Sell Volumes</a:t>
-            </a:r>
-          </a:p>
-        </p:txBody>
-      </p:sp>
-      <p:sp>
-        <p:nvSpPr>
-          <p:cNvPr id="21" name="Flowchart: Multidocument 20"/>
-          <p:cNvSpPr/>
-          <p:nvPr/>
-        </p:nvSpPr>
-        <p:spPr>
-          <a:xfrm>
-            <a:off x="10240057" y="2096321"/>
-            <a:ext cx="1712794" cy="812192"/>
-          </a:xfrm>
-          <a:prstGeom prst="flowChartMultidocument">
-            <a:avLst/>
-          </a:prstGeom>
-          <a:solidFill>
-            <a:srgbClr val="92D050"/>
-          </a:solidFill>
+            <a:endParaRPr lang="en-US" sz="1400"/>
+          </a:p>
+        </p:txBody>
+      </p:sp>
+      <p:sp>
+        <p:nvSpPr>
+          <p:cNvPr id="12" name="Cloud 11"/>
+          <p:cNvSpPr/>
+          <p:nvPr/>
+        </p:nvSpPr>
+        <p:spPr>
+          <a:xfrm>
+            <a:off x="2685319" y="660550"/>
+            <a:ext cx="9054170" cy="771098"/>
+          </a:xfrm>
+          <a:prstGeom prst="cloud">
+            <a:avLst/>
+          </a:prstGeom>
         </p:spPr>
         <p:style>
           <a:lnRef idx="2">
@@ -3427,26 +3451,30 @@
           <a:p>
             <a:pPr algn="ctr"/>
             <a:r>
-              <a:rPr lang="en-US" sz="1400" dirty="0"/>
-              <a:t>Market sentiment</a:t>
-            </a:r>
-          </a:p>
-        </p:txBody>
-      </p:sp>
-      <p:sp>
-        <p:nvSpPr>
-          <p:cNvPr id="24" name="Arrow: Down 23"/>
-          <p:cNvSpPr/>
-          <p:nvPr/>
-        </p:nvSpPr>
-        <p:spPr>
-          <a:xfrm>
-            <a:off x="3583428" y="2951818"/>
-            <a:ext cx="491319" cy="443276"/>
-          </a:xfrm>
-          <a:prstGeom prst="downArrow">
-            <a:avLst/>
-          </a:prstGeom>
+              <a:rPr lang="en-US" sz="1400" dirty="0" err="1"/>
+              <a:t>Quandl</a:t>
+            </a:r>
+            <a:endParaRPr lang="en-US" sz="1400" dirty="0"/>
+          </a:p>
+        </p:txBody>
+      </p:sp>
+      <p:sp>
+        <p:nvSpPr>
+          <p:cNvPr id="14" name="Flowchart: Multidocument 13"/>
+          <p:cNvSpPr/>
+          <p:nvPr/>
+        </p:nvSpPr>
+        <p:spPr>
+          <a:xfrm>
+            <a:off x="2899944" y="2096321"/>
+            <a:ext cx="1712794" cy="812192"/>
+          </a:xfrm>
+          <a:prstGeom prst="flowChartMultidocument">
+            <a:avLst/>
+          </a:prstGeom>
+          <a:solidFill>
+            <a:schemeClr val="bg1"/>
+          </a:solidFill>
         </p:spPr>
         <p:style>
           <a:lnRef idx="2">
@@ -3469,24 +3497,34 @@
           <a:lstStyle/>
           <a:p>
             <a:pPr algn="ctr"/>
-            <a:endParaRPr lang="en-US" sz="1400"/>
-          </a:p>
-        </p:txBody>
-      </p:sp>
-      <p:sp>
-        <p:nvSpPr>
-          <p:cNvPr id="25" name="Arrow: Down 24"/>
-          <p:cNvSpPr/>
-          <p:nvPr/>
-        </p:nvSpPr>
-        <p:spPr>
-          <a:xfrm>
-            <a:off x="5368969" y="2951817"/>
-            <a:ext cx="491319" cy="443276"/>
-          </a:xfrm>
-          <a:prstGeom prst="downArrow">
-            <a:avLst/>
-          </a:prstGeom>
+            <a:r>
+              <a:rPr lang="en-US" sz="1400" dirty="0">
+                <a:solidFill>
+                  <a:schemeClr val="tx1"/>
+                </a:solidFill>
+              </a:rPr>
+              <a:t>SP500 index prices</a:t>
+            </a:r>
+          </a:p>
+        </p:txBody>
+      </p:sp>
+      <p:sp>
+        <p:nvSpPr>
+          <p:cNvPr id="15" name="Flowchart: Multidocument 14"/>
+          <p:cNvSpPr/>
+          <p:nvPr/>
+        </p:nvSpPr>
+        <p:spPr>
+          <a:xfrm>
+            <a:off x="4758231" y="2096321"/>
+            <a:ext cx="1712794" cy="812192"/>
+          </a:xfrm>
+          <a:prstGeom prst="flowChartMultidocument">
+            <a:avLst/>
+          </a:prstGeom>
+          <a:solidFill>
+            <a:schemeClr val="bg1"/>
+          </a:solidFill>
         </p:spPr>
         <p:style>
           <a:lnRef idx="2">
@@ -3509,24 +3547,34 @@
           <a:lstStyle/>
           <a:p>
             <a:pPr algn="ctr"/>
-            <a:endParaRPr lang="en-US" sz="1400"/>
-          </a:p>
-        </p:txBody>
-      </p:sp>
-      <p:sp>
-        <p:nvSpPr>
-          <p:cNvPr id="26" name="Arrow: Down 25"/>
-          <p:cNvSpPr/>
-          <p:nvPr/>
-        </p:nvSpPr>
-        <p:spPr>
-          <a:xfrm>
-            <a:off x="7202458" y="2951817"/>
-            <a:ext cx="491319" cy="443276"/>
-          </a:xfrm>
-          <a:prstGeom prst="downArrow">
-            <a:avLst/>
-          </a:prstGeom>
+            <a:r>
+              <a:rPr lang="en-US" sz="1400" dirty="0">
+                <a:solidFill>
+                  <a:schemeClr val="tx1"/>
+                </a:solidFill>
+              </a:rPr>
+              <a:t>SP500 stock prices</a:t>
+            </a:r>
+          </a:p>
+        </p:txBody>
+      </p:sp>
+      <p:sp>
+        <p:nvSpPr>
+          <p:cNvPr id="17" name="Flowchart: Multidocument 16"/>
+          <p:cNvSpPr/>
+          <p:nvPr/>
+        </p:nvSpPr>
+        <p:spPr>
+          <a:xfrm>
+            <a:off x="6591720" y="2096321"/>
+            <a:ext cx="1712794" cy="812192"/>
+          </a:xfrm>
+          <a:prstGeom prst="flowChartMultidocument">
+            <a:avLst/>
+          </a:prstGeom>
+          <a:solidFill>
+            <a:schemeClr val="bg1"/>
+          </a:solidFill>
         </p:spPr>
         <p:style>
           <a:lnRef idx="2">
@@ -3549,24 +3597,34 @@
           <a:lstStyle/>
           <a:p>
             <a:pPr algn="ctr"/>
-            <a:endParaRPr lang="en-US" sz="1400"/>
-          </a:p>
-        </p:txBody>
-      </p:sp>
-      <p:sp>
-        <p:nvSpPr>
-          <p:cNvPr id="27" name="Arrow: Down 26"/>
-          <p:cNvSpPr/>
-          <p:nvPr/>
-        </p:nvSpPr>
-        <p:spPr>
-          <a:xfrm>
-            <a:off x="9035945" y="2951817"/>
-            <a:ext cx="491319" cy="443276"/>
-          </a:xfrm>
-          <a:prstGeom prst="downArrow">
-            <a:avLst/>
-          </a:prstGeom>
+            <a:r>
+              <a:rPr lang="en-US" sz="1400" dirty="0">
+                <a:solidFill>
+                  <a:schemeClr val="tx1"/>
+                </a:solidFill>
+              </a:rPr>
+              <a:t>SP500 stock fundamentals</a:t>
+            </a:r>
+          </a:p>
+        </p:txBody>
+      </p:sp>
+      <p:sp>
+        <p:nvSpPr>
+          <p:cNvPr id="19" name="Flowchart: Multidocument 18"/>
+          <p:cNvSpPr/>
+          <p:nvPr/>
+        </p:nvSpPr>
+        <p:spPr>
+          <a:xfrm>
+            <a:off x="8425208" y="2096321"/>
+            <a:ext cx="1712794" cy="812192"/>
+          </a:xfrm>
+          <a:prstGeom prst="flowChartMultidocument">
+            <a:avLst/>
+          </a:prstGeom>
+          <a:solidFill>
+            <a:schemeClr val="bg1"/>
+          </a:solidFill>
         </p:spPr>
         <p:style>
           <a:lnRef idx="2">
@@ -3589,24 +3647,34 @@
           <a:lstStyle/>
           <a:p>
             <a:pPr algn="ctr"/>
-            <a:endParaRPr lang="en-US" sz="1400"/>
-          </a:p>
-        </p:txBody>
-      </p:sp>
-      <p:sp>
-        <p:nvSpPr>
-          <p:cNvPr id="28" name="Arrow: Down 27"/>
-          <p:cNvSpPr/>
-          <p:nvPr/>
-        </p:nvSpPr>
-        <p:spPr>
-          <a:xfrm>
-            <a:off x="10850794" y="2951817"/>
-            <a:ext cx="491319" cy="443276"/>
-          </a:xfrm>
-          <a:prstGeom prst="downArrow">
-            <a:avLst/>
-          </a:prstGeom>
+            <a:r>
+              <a:rPr lang="en-US" sz="1400" dirty="0">
+                <a:solidFill>
+                  <a:schemeClr val="tx1"/>
+                </a:solidFill>
+              </a:rPr>
+              <a:t>Stock Short Sell Volumes</a:t>
+            </a:r>
+          </a:p>
+        </p:txBody>
+      </p:sp>
+      <p:sp>
+        <p:nvSpPr>
+          <p:cNvPr id="21" name="Flowchart: Multidocument 20"/>
+          <p:cNvSpPr/>
+          <p:nvPr/>
+        </p:nvSpPr>
+        <p:spPr>
+          <a:xfrm>
+            <a:off x="10240057" y="2096321"/>
+            <a:ext cx="1712794" cy="812192"/>
+          </a:xfrm>
+          <a:prstGeom prst="flowChartMultidocument">
+            <a:avLst/>
+          </a:prstGeom>
+          <a:solidFill>
+            <a:schemeClr val="bg1"/>
+          </a:solidFill>
         </p:spPr>
         <p:style>
           <a:lnRef idx="2">
@@ -3629,27 +3697,31 @@
           <a:lstStyle/>
           <a:p>
             <a:pPr algn="ctr"/>
-            <a:endParaRPr lang="en-US" sz="1400"/>
-          </a:p>
-        </p:txBody>
-      </p:sp>
-      <p:sp>
-        <p:nvSpPr>
-          <p:cNvPr id="29" name="Flowchart: Process 28"/>
-          <p:cNvSpPr/>
-          <p:nvPr/>
-        </p:nvSpPr>
-        <p:spPr>
-          <a:xfrm>
-            <a:off x="3016169" y="3438308"/>
-            <a:ext cx="8926521" cy="576775"/>
-          </a:xfrm>
-          <a:prstGeom prst="flowChartProcess">
-            <a:avLst/>
-          </a:prstGeom>
-          <a:solidFill>
-            <a:srgbClr val="92D050"/>
-          </a:solidFill>
+            <a:r>
+              <a:rPr lang="en-US" sz="1400" dirty="0">
+                <a:solidFill>
+                  <a:schemeClr val="tx1"/>
+                </a:solidFill>
+              </a:rPr>
+              <a:t>Market sentiment</a:t>
+            </a:r>
+          </a:p>
+        </p:txBody>
+      </p:sp>
+      <p:sp>
+        <p:nvSpPr>
+          <p:cNvPr id="24" name="Arrow: Down 23"/>
+          <p:cNvSpPr/>
+          <p:nvPr/>
+        </p:nvSpPr>
+        <p:spPr>
+          <a:xfrm>
+            <a:off x="3583428" y="2951818"/>
+            <a:ext cx="491319" cy="443276"/>
+          </a:xfrm>
+          <a:prstGeom prst="downArrow">
+            <a:avLst/>
+          </a:prstGeom>
         </p:spPr>
         <p:style>
           <a:lnRef idx="2">
@@ -3672,30 +3744,24 @@
           <a:lstStyle/>
           <a:p>
             <a:pPr algn="ctr"/>
-            <a:r>
-              <a:rPr lang="en-US" sz="1400" dirty="0"/>
-              <a:t>Calculation of Features &amp; Labels</a:t>
-            </a:r>
-          </a:p>
-        </p:txBody>
-      </p:sp>
-      <p:sp>
-        <p:nvSpPr>
-          <p:cNvPr id="31" name="Flowchart: Multidocument 30"/>
-          <p:cNvSpPr/>
-          <p:nvPr/>
-        </p:nvSpPr>
-        <p:spPr>
-          <a:xfrm>
-            <a:off x="3016168" y="4058295"/>
-            <a:ext cx="1712794" cy="960619"/>
-          </a:xfrm>
-          <a:prstGeom prst="flowChartMultidocument">
-            <a:avLst/>
-          </a:prstGeom>
-          <a:solidFill>
-            <a:srgbClr val="92D050"/>
-          </a:solidFill>
+            <a:endParaRPr lang="en-US" sz="1400"/>
+          </a:p>
+        </p:txBody>
+      </p:sp>
+      <p:sp>
+        <p:nvSpPr>
+          <p:cNvPr id="25" name="Arrow: Down 24"/>
+          <p:cNvSpPr/>
+          <p:nvPr/>
+        </p:nvSpPr>
+        <p:spPr>
+          <a:xfrm>
+            <a:off x="5368969" y="2951817"/>
+            <a:ext cx="491319" cy="443276"/>
+          </a:xfrm>
+          <a:prstGeom prst="downArrow">
+            <a:avLst/>
+          </a:prstGeom>
         </p:spPr>
         <p:style>
           <a:lnRef idx="2">
@@ -3718,30 +3784,24 @@
           <a:lstStyle/>
           <a:p>
             <a:pPr algn="ctr"/>
-            <a:r>
-              <a:rPr lang="en-US" sz="1400" dirty="0"/>
-              <a:t>Momentum: 1,5,20 days</a:t>
-            </a:r>
-          </a:p>
-        </p:txBody>
-      </p:sp>
-      <p:sp>
-        <p:nvSpPr>
-          <p:cNvPr id="32" name="Flowchart: Multidocument 31"/>
-          <p:cNvSpPr/>
-          <p:nvPr/>
-        </p:nvSpPr>
-        <p:spPr>
-          <a:xfrm>
-            <a:off x="4815938" y="4058296"/>
-            <a:ext cx="1717724" cy="960619"/>
-          </a:xfrm>
-          <a:prstGeom prst="flowChartMultidocument">
-            <a:avLst/>
-          </a:prstGeom>
-          <a:solidFill>
-            <a:srgbClr val="92D050"/>
-          </a:solidFill>
+            <a:endParaRPr lang="en-US" sz="1400"/>
+          </a:p>
+        </p:txBody>
+      </p:sp>
+      <p:sp>
+        <p:nvSpPr>
+          <p:cNvPr id="26" name="Arrow: Down 25"/>
+          <p:cNvSpPr/>
+          <p:nvPr/>
+        </p:nvSpPr>
+        <p:spPr>
+          <a:xfrm>
+            <a:off x="7202458" y="2951817"/>
+            <a:ext cx="491319" cy="443276"/>
+          </a:xfrm>
+          <a:prstGeom prst="downArrow">
+            <a:avLst/>
+          </a:prstGeom>
         </p:spPr>
         <p:style>
           <a:lnRef idx="2">
@@ -3764,30 +3824,24 @@
           <a:lstStyle/>
           <a:p>
             <a:pPr algn="ctr"/>
-            <a:r>
-              <a:rPr lang="en-US" sz="1400" dirty="0"/>
-              <a:t>Alpha &amp; Beta, Delta to Industry</a:t>
-            </a:r>
-          </a:p>
-        </p:txBody>
-      </p:sp>
-      <p:sp>
-        <p:nvSpPr>
-          <p:cNvPr id="34" name="Flowchart: Multidocument 33"/>
-          <p:cNvSpPr/>
-          <p:nvPr/>
-        </p:nvSpPr>
-        <p:spPr>
-          <a:xfrm>
-            <a:off x="6620638" y="4058296"/>
-            <a:ext cx="1717724" cy="960619"/>
-          </a:xfrm>
-          <a:prstGeom prst="flowChartMultidocument">
-            <a:avLst/>
-          </a:prstGeom>
-          <a:solidFill>
-            <a:srgbClr val="92D050"/>
-          </a:solidFill>
+            <a:endParaRPr lang="en-US" sz="1400"/>
+          </a:p>
+        </p:txBody>
+      </p:sp>
+      <p:sp>
+        <p:nvSpPr>
+          <p:cNvPr id="27" name="Arrow: Down 26"/>
+          <p:cNvSpPr/>
+          <p:nvPr/>
+        </p:nvSpPr>
+        <p:spPr>
+          <a:xfrm>
+            <a:off x="9035945" y="2951817"/>
+            <a:ext cx="491319" cy="443276"/>
+          </a:xfrm>
+          <a:prstGeom prst="downArrow">
+            <a:avLst/>
+          </a:prstGeom>
         </p:spPr>
         <p:style>
           <a:lnRef idx="2">
@@ -3810,30 +3864,24 @@
           <a:lstStyle/>
           <a:p>
             <a:pPr algn="ctr"/>
-            <a:r>
-              <a:rPr lang="en-US" sz="1400" dirty="0"/>
-              <a:t>Simple Moving Average 30 days</a:t>
-            </a:r>
-          </a:p>
-        </p:txBody>
-      </p:sp>
-      <p:sp>
-        <p:nvSpPr>
-          <p:cNvPr id="35" name="Flowchart: Multidocument 34"/>
-          <p:cNvSpPr/>
-          <p:nvPr/>
-        </p:nvSpPr>
-        <p:spPr>
-          <a:xfrm>
-            <a:off x="8425338" y="4058295"/>
-            <a:ext cx="1717724" cy="960619"/>
-          </a:xfrm>
-          <a:prstGeom prst="flowChartMultidocument">
-            <a:avLst/>
-          </a:prstGeom>
-          <a:solidFill>
-            <a:srgbClr val="92D050"/>
-          </a:solidFill>
+            <a:endParaRPr lang="en-US" sz="1400"/>
+          </a:p>
+        </p:txBody>
+      </p:sp>
+      <p:sp>
+        <p:nvSpPr>
+          <p:cNvPr id="28" name="Arrow: Down 27"/>
+          <p:cNvSpPr/>
+          <p:nvPr/>
+        </p:nvSpPr>
+        <p:spPr>
+          <a:xfrm>
+            <a:off x="10850794" y="2951817"/>
+            <a:ext cx="491319" cy="443276"/>
+          </a:xfrm>
+          <a:prstGeom prst="downArrow">
+            <a:avLst/>
+          </a:prstGeom>
         </p:spPr>
         <p:style>
           <a:lnRef idx="2">
@@ -3856,29 +3904,26 @@
           <a:lstStyle/>
           <a:p>
             <a:pPr algn="ctr"/>
-            <a:r>
-              <a:rPr lang="en-US" sz="1400" dirty="0"/>
-              <a:t>Bollinger Bands</a:t>
-            </a:r>
-          </a:p>
-        </p:txBody>
-      </p:sp>
-      <p:sp>
-        <p:nvSpPr>
-          <p:cNvPr id="36" name="Flowchart: Multidocument 35"/>
-          <p:cNvSpPr/>
-          <p:nvPr/>
-        </p:nvSpPr>
-        <p:spPr>
-          <a:xfrm>
-            <a:off x="10230038" y="4036280"/>
-            <a:ext cx="1717724" cy="960619"/>
-          </a:xfrm>
-          <a:prstGeom prst="flowChartMultidocument">
+            <a:endParaRPr lang="en-US" sz="1400"/>
+          </a:p>
+        </p:txBody>
+      </p:sp>
+      <p:sp>
+        <p:nvSpPr>
+          <p:cNvPr id="29" name="Flowchart: Process 28"/>
+          <p:cNvSpPr/>
+          <p:nvPr/>
+        </p:nvSpPr>
+        <p:spPr>
+          <a:xfrm>
+            <a:off x="3016169" y="3438308"/>
+            <a:ext cx="8926521" cy="576775"/>
+          </a:xfrm>
+          <a:prstGeom prst="flowChartProcess">
             <a:avLst/>
           </a:prstGeom>
           <a:solidFill>
-            <a:srgbClr val="92D050"/>
+            <a:schemeClr val="bg1"/>
           </a:solidFill>
         </p:spPr>
         <p:style>
@@ -3903,28 +3948,32 @@
           <a:p>
             <a:pPr algn="ctr"/>
             <a:r>
-              <a:rPr lang="en-US" sz="1400" dirty="0"/>
-              <a:t>Returns 1,5,20 days</a:t>
-            </a:r>
-          </a:p>
-        </p:txBody>
-      </p:sp>
-      <p:sp>
-        <p:nvSpPr>
-          <p:cNvPr id="37" name="Flowchart: Multidocument 36"/>
-          <p:cNvSpPr/>
-          <p:nvPr/>
-        </p:nvSpPr>
-        <p:spPr>
-          <a:xfrm>
-            <a:off x="3011095" y="4937125"/>
-            <a:ext cx="1712794" cy="993021"/>
+              <a:rPr lang="en-US" sz="1400" dirty="0">
+                <a:solidFill>
+                  <a:schemeClr val="tx1"/>
+                </a:solidFill>
+              </a:rPr>
+              <a:t>Calculation of Features &amp; Labels</a:t>
+            </a:r>
+          </a:p>
+        </p:txBody>
+      </p:sp>
+      <p:sp>
+        <p:nvSpPr>
+          <p:cNvPr id="31" name="Flowchart: Multidocument 30"/>
+          <p:cNvSpPr/>
+          <p:nvPr/>
+        </p:nvSpPr>
+        <p:spPr>
+          <a:xfrm>
+            <a:off x="3016168" y="4058295"/>
+            <a:ext cx="1712794" cy="960619"/>
           </a:xfrm>
           <a:prstGeom prst="flowChartMultidocument">
             <a:avLst/>
           </a:prstGeom>
           <a:solidFill>
-            <a:srgbClr val="92D050"/>
+            <a:schemeClr val="bg1"/>
           </a:solidFill>
         </p:spPr>
         <p:style>
@@ -3949,28 +3998,32 @@
           <a:p>
             <a:pPr algn="ctr"/>
             <a:r>
-              <a:rPr lang="en-US" sz="1400" dirty="0"/>
-              <a:t>Price direction 1,5,20 days</a:t>
-            </a:r>
-          </a:p>
-        </p:txBody>
-      </p:sp>
-      <p:sp>
-        <p:nvSpPr>
-          <p:cNvPr id="38" name="Flowchart: Multidocument 37"/>
-          <p:cNvSpPr/>
-          <p:nvPr/>
-        </p:nvSpPr>
-        <p:spPr>
-          <a:xfrm>
-            <a:off x="4810865" y="4937126"/>
-            <a:ext cx="1717724" cy="993021"/>
+              <a:rPr lang="en-US" sz="1400" dirty="0">
+                <a:solidFill>
+                  <a:schemeClr val="tx1"/>
+                </a:solidFill>
+              </a:rPr>
+              <a:t>Momentum: 1,5,20 days</a:t>
+            </a:r>
+          </a:p>
+        </p:txBody>
+      </p:sp>
+      <p:sp>
+        <p:nvSpPr>
+          <p:cNvPr id="32" name="Flowchart: Multidocument 31"/>
+          <p:cNvSpPr/>
+          <p:nvPr/>
+        </p:nvSpPr>
+        <p:spPr>
+          <a:xfrm>
+            <a:off x="4815938" y="4058296"/>
+            <a:ext cx="1717724" cy="960619"/>
           </a:xfrm>
           <a:prstGeom prst="flowChartMultidocument">
             <a:avLst/>
           </a:prstGeom>
           <a:solidFill>
-            <a:srgbClr val="92D050"/>
+            <a:schemeClr val="bg1"/>
           </a:solidFill>
         </p:spPr>
         <p:style>
@@ -3995,28 +4048,32 @@
           <a:p>
             <a:pPr algn="ctr"/>
             <a:r>
-              <a:rPr lang="en-US" sz="1400" dirty="0"/>
-              <a:t>% short sell</a:t>
-            </a:r>
-          </a:p>
-        </p:txBody>
-      </p:sp>
-      <p:sp>
-        <p:nvSpPr>
-          <p:cNvPr id="39" name="Flowchart: Multidocument 38"/>
-          <p:cNvSpPr/>
-          <p:nvPr/>
-        </p:nvSpPr>
-        <p:spPr>
-          <a:xfrm>
-            <a:off x="6615565" y="4937126"/>
-            <a:ext cx="1717724" cy="993021"/>
+              <a:rPr lang="en-US" sz="1400" dirty="0">
+                <a:solidFill>
+                  <a:schemeClr val="tx1"/>
+                </a:solidFill>
+              </a:rPr>
+              <a:t>Alpha &amp; Beta, Delta to Industry</a:t>
+            </a:r>
+          </a:p>
+        </p:txBody>
+      </p:sp>
+      <p:sp>
+        <p:nvSpPr>
+          <p:cNvPr id="34" name="Flowchart: Multidocument 33"/>
+          <p:cNvSpPr/>
+          <p:nvPr/>
+        </p:nvSpPr>
+        <p:spPr>
+          <a:xfrm>
+            <a:off x="6620638" y="4058296"/>
+            <a:ext cx="1717724" cy="960619"/>
           </a:xfrm>
           <a:prstGeom prst="flowChartMultidocument">
             <a:avLst/>
           </a:prstGeom>
           <a:solidFill>
-            <a:srgbClr val="92D050"/>
+            <a:schemeClr val="bg1"/>
           </a:solidFill>
         </p:spPr>
         <p:style>
@@ -4041,28 +4098,32 @@
           <a:p>
             <a:pPr algn="ctr"/>
             <a:r>
-              <a:rPr lang="en-US" sz="1400" dirty="0"/>
-              <a:t>Change to Low/ High  on the following day</a:t>
-            </a:r>
-          </a:p>
-        </p:txBody>
-      </p:sp>
-      <p:sp>
-        <p:nvSpPr>
-          <p:cNvPr id="40" name="Flowchart: Multidocument 39"/>
-          <p:cNvSpPr/>
-          <p:nvPr/>
-        </p:nvSpPr>
-        <p:spPr>
-          <a:xfrm>
-            <a:off x="8420265" y="4937125"/>
-            <a:ext cx="1717724" cy="993021"/>
+              <a:rPr lang="en-US" sz="1400" dirty="0">
+                <a:solidFill>
+                  <a:schemeClr val="tx1"/>
+                </a:solidFill>
+              </a:rPr>
+              <a:t>Simple Moving Average 30 days</a:t>
+            </a:r>
+          </a:p>
+        </p:txBody>
+      </p:sp>
+      <p:sp>
+        <p:nvSpPr>
+          <p:cNvPr id="35" name="Flowchart: Multidocument 34"/>
+          <p:cNvSpPr/>
+          <p:nvPr/>
+        </p:nvSpPr>
+        <p:spPr>
+          <a:xfrm>
+            <a:off x="8425338" y="4058295"/>
+            <a:ext cx="1717724" cy="960619"/>
           </a:xfrm>
           <a:prstGeom prst="flowChartMultidocument">
             <a:avLst/>
           </a:prstGeom>
           <a:solidFill>
-            <a:srgbClr val="92D050"/>
+            <a:schemeClr val="bg1"/>
           </a:solidFill>
         </p:spPr>
         <p:style>
@@ -4087,28 +4148,32 @@
           <a:p>
             <a:pPr algn="ctr"/>
             <a:r>
-              <a:rPr lang="en-US" sz="1400" dirty="0"/>
-              <a:t>Bull-Bear Spread</a:t>
-            </a:r>
-          </a:p>
-        </p:txBody>
-      </p:sp>
-      <p:sp>
-        <p:nvSpPr>
-          <p:cNvPr id="41" name="Flowchart: Multidocument 40"/>
-          <p:cNvSpPr/>
-          <p:nvPr/>
-        </p:nvSpPr>
-        <p:spPr>
-          <a:xfrm>
-            <a:off x="10224965" y="4915110"/>
-            <a:ext cx="1717724" cy="993021"/>
+              <a:rPr lang="en-US" sz="1400" dirty="0">
+                <a:solidFill>
+                  <a:schemeClr val="tx1"/>
+                </a:solidFill>
+              </a:rPr>
+              <a:t>Bollinger Bands®</a:t>
+            </a:r>
+          </a:p>
+        </p:txBody>
+      </p:sp>
+      <p:sp>
+        <p:nvSpPr>
+          <p:cNvPr id="36" name="Flowchart: Multidocument 35"/>
+          <p:cNvSpPr/>
+          <p:nvPr/>
+        </p:nvSpPr>
+        <p:spPr>
+          <a:xfrm>
+            <a:off x="10230038" y="4036280"/>
+            <a:ext cx="1717724" cy="960619"/>
           </a:xfrm>
           <a:prstGeom prst="flowChartMultidocument">
             <a:avLst/>
           </a:prstGeom>
           <a:solidFill>
-            <a:srgbClr val="92D050"/>
+            <a:schemeClr val="bg1"/>
           </a:solidFill>
         </p:spPr>
         <p:style>
@@ -4133,8 +4198,12 @@
           <a:p>
             <a:pPr algn="ctr"/>
             <a:r>
-              <a:rPr lang="en-US" sz="1400" dirty="0"/>
-              <a:t>Change to Min/Max last 30 days</a:t>
+              <a:rPr lang="en-US" sz="1400" dirty="0">
+                <a:solidFill>
+                  <a:schemeClr val="tx1"/>
+                </a:solidFill>
+              </a:rPr>
+              <a:t>Returns 1,5,20 days</a:t>
             </a:r>
           </a:p>
         </p:txBody>
@@ -4762,7 +4831,7 @@
             <a:avLst/>
           </a:prstGeom>
           <a:solidFill>
-            <a:srgbClr val="92D050"/>
+            <a:schemeClr val="bg1"/>
           </a:solidFill>
         </p:spPr>
         <p:style>
@@ -4787,7 +4856,11 @@
           <a:p>
             <a:pPr algn="ctr"/>
             <a:r>
-              <a:rPr lang="en-US" sz="1400" dirty="0"/>
+              <a:rPr lang="en-US" sz="1400" dirty="0">
+                <a:solidFill>
+                  <a:schemeClr val="tx1"/>
+                </a:solidFill>
+              </a:rPr>
               <a:t>Features</a:t>
             </a:r>
           </a:p>
@@ -4808,7 +4881,7 @@
             <a:avLst/>
           </a:prstGeom>
           <a:solidFill>
-            <a:srgbClr val="92D050"/>
+            <a:schemeClr val="bg1"/>
           </a:solidFill>
         </p:spPr>
         <p:style>
@@ -4833,7 +4906,11 @@
           <a:p>
             <a:pPr algn="ctr"/>
             <a:r>
-              <a:rPr lang="en-US" sz="1400" dirty="0"/>
+              <a:rPr lang="en-US" sz="1400" dirty="0">
+                <a:solidFill>
+                  <a:schemeClr val="tx1"/>
+                </a:solidFill>
+              </a:rPr>
               <a:t>Labels</a:t>
             </a:r>
           </a:p>
@@ -4854,7 +4931,7 @@
             <a:avLst/>
           </a:prstGeom>
           <a:solidFill>
-            <a:srgbClr val="92D050"/>
+            <a:schemeClr val="bg1"/>
           </a:solidFill>
         </p:spPr>
         <p:style>
@@ -4879,7 +4956,11 @@
           <a:p>
             <a:pPr algn="ctr"/>
             <a:r>
-              <a:rPr lang="en-US" sz="1400" dirty="0"/>
+              <a:rPr lang="en-US" sz="1400" dirty="0">
+                <a:solidFill>
+                  <a:schemeClr val="tx1"/>
+                </a:solidFill>
+              </a:rPr>
               <a:t>PCA</a:t>
             </a:r>
           </a:p>
@@ -4980,7 +5061,7 @@
             <a:avLst/>
           </a:prstGeom>
           <a:solidFill>
-            <a:srgbClr val="92D050"/>
+            <a:schemeClr val="bg1"/>
           </a:solidFill>
         </p:spPr>
         <p:style>
@@ -5005,7 +5086,11 @@
           <a:p>
             <a:pPr algn="ctr"/>
             <a:r>
-              <a:rPr lang="en-US" sz="1400" dirty="0"/>
+              <a:rPr lang="en-US" sz="1400" dirty="0">
+                <a:solidFill>
+                  <a:schemeClr val="tx1"/>
+                </a:solidFill>
+              </a:rPr>
               <a:t>Features</a:t>
             </a:r>
           </a:p>
@@ -5109,7 +5194,7 @@
             <a:avLst/>
           </a:prstGeom>
           <a:solidFill>
-            <a:srgbClr val="92D050"/>
+            <a:schemeClr val="bg1"/>
           </a:solidFill>
         </p:spPr>
         <p:style>
@@ -5134,10 +5219,18 @@
           <a:p>
             <a:pPr algn="ctr"/>
             <a:r>
-              <a:rPr lang="en-US" sz="1400" dirty="0" err="1"/>
+              <a:rPr lang="en-US" sz="1400" dirty="0" err="1">
+                <a:solidFill>
+                  <a:schemeClr val="tx1"/>
+                </a:solidFill>
+              </a:rPr>
               <a:t>kMeans</a:t>
             </a:r>
-            <a:endParaRPr lang="en-US" sz="1400" dirty="0"/>
+            <a:endParaRPr lang="en-US" sz="1400" dirty="0">
+              <a:solidFill>
+                <a:schemeClr val="tx1"/>
+              </a:solidFill>
+            </a:endParaRPr>
           </a:p>
         </p:txBody>
       </p:sp>
@@ -5236,7 +5329,7 @@
             <a:avLst/>
           </a:prstGeom>
           <a:solidFill>
-            <a:srgbClr val="92D050"/>
+            <a:schemeClr val="bg1"/>
           </a:solidFill>
         </p:spPr>
         <p:style>
@@ -5261,7 +5354,11 @@
           <a:p>
             <a:pPr algn="ctr"/>
             <a:r>
-              <a:rPr lang="en-US" sz="1400" dirty="0"/>
+              <a:rPr lang="en-US" sz="1400" dirty="0">
+                <a:solidFill>
+                  <a:schemeClr val="tx1"/>
+                </a:solidFill>
+              </a:rPr>
               <a:t>Labels</a:t>
             </a:r>
           </a:p>
@@ -5445,7 +5542,7 @@
             <a:avLst/>
           </a:prstGeom>
           <a:solidFill>
-            <a:srgbClr val="92D050"/>
+            <a:schemeClr val="bg1"/>
           </a:solidFill>
         </p:spPr>
         <p:style>
@@ -5469,7 +5566,11 @@
           <a:lstStyle/>
           <a:p>
             <a:pPr algn="ctr"/>
-            <a:endParaRPr lang="en-US" sz="1400" dirty="0"/>
+            <a:endParaRPr lang="en-US" sz="1400" dirty="0">
+              <a:solidFill>
+                <a:schemeClr val="tx1"/>
+              </a:solidFill>
+            </a:endParaRPr>
           </a:p>
         </p:txBody>
       </p:sp>
@@ -5488,7 +5589,7 @@
             <a:avLst/>
           </a:prstGeom>
           <a:solidFill>
-            <a:srgbClr val="92D050"/>
+            <a:schemeClr val="bg1"/>
           </a:solidFill>
         </p:spPr>
         <p:style>
@@ -5513,22 +5614,42 @@
           <a:p>
             <a:pPr algn="ctr"/>
             <a:r>
-              <a:rPr lang="en-US" sz="1400" dirty="0" err="1"/>
+              <a:rPr lang="en-US" sz="1400" dirty="0" err="1">
+                <a:solidFill>
+                  <a:schemeClr val="tx1"/>
+                </a:solidFill>
+              </a:rPr>
               <a:t>GridSearch</a:t>
             </a:r>
-            <a:endParaRPr lang="en-US" sz="1400" dirty="0"/>
-          </a:p>
-          <a:p>
-            <a:pPr algn="ctr"/>
-            <a:endParaRPr lang="en-US" sz="1400" dirty="0"/>
-          </a:p>
-          <a:p>
-            <a:pPr algn="ctr"/>
-            <a:endParaRPr lang="en-US" sz="1400" dirty="0"/>
-          </a:p>
-          <a:p>
-            <a:pPr algn="ctr"/>
-            <a:endParaRPr lang="en-US" sz="1400" dirty="0"/>
+            <a:endParaRPr lang="en-US" sz="1400" dirty="0">
+              <a:solidFill>
+                <a:schemeClr val="tx1"/>
+              </a:solidFill>
+            </a:endParaRPr>
+          </a:p>
+          <a:p>
+            <a:pPr algn="ctr"/>
+            <a:endParaRPr lang="en-US" sz="1400" dirty="0">
+              <a:solidFill>
+                <a:schemeClr val="tx1"/>
+              </a:solidFill>
+            </a:endParaRPr>
+          </a:p>
+          <a:p>
+            <a:pPr algn="ctr"/>
+            <a:endParaRPr lang="en-US" sz="1400" dirty="0">
+              <a:solidFill>
+                <a:schemeClr val="tx1"/>
+              </a:solidFill>
+            </a:endParaRPr>
+          </a:p>
+          <a:p>
+            <a:pPr algn="ctr"/>
+            <a:endParaRPr lang="en-US" sz="1400" dirty="0">
+              <a:solidFill>
+                <a:schemeClr val="tx1"/>
+              </a:solidFill>
+            </a:endParaRPr>
           </a:p>
         </p:txBody>
       </p:sp>
@@ -5547,7 +5668,7 @@
             <a:avLst/>
           </a:prstGeom>
           <a:solidFill>
-            <a:srgbClr val="92D050"/>
+            <a:schemeClr val="bg1"/>
           </a:solidFill>
         </p:spPr>
         <p:style>
@@ -5572,7 +5693,11 @@
           <a:p>
             <a:pPr algn="ctr"/>
             <a:r>
-              <a:rPr lang="en-US" sz="1400" dirty="0"/>
+              <a:rPr lang="en-US" sz="1400" dirty="0">
+                <a:solidFill>
+                  <a:schemeClr val="tx1"/>
+                </a:solidFill>
+              </a:rPr>
               <a:t>SVM</a:t>
             </a:r>
           </a:p>
@@ -5593,7 +5718,7 @@
             <a:avLst/>
           </a:prstGeom>
           <a:solidFill>
-            <a:srgbClr val="92D050"/>
+            <a:schemeClr val="bg1"/>
           </a:solidFill>
         </p:spPr>
         <p:style>
@@ -5618,7 +5743,11 @@
           <a:p>
             <a:pPr algn="ctr"/>
             <a:r>
-              <a:rPr lang="en-US" sz="1400" dirty="0"/>
+              <a:rPr lang="en-US" sz="1400" dirty="0">
+                <a:solidFill>
+                  <a:schemeClr val="tx1"/>
+                </a:solidFill>
+              </a:rPr>
               <a:t>Random Forrest</a:t>
             </a:r>
           </a:p>
@@ -5639,7 +5768,7 @@
             <a:avLst/>
           </a:prstGeom>
           <a:solidFill>
-            <a:srgbClr val="92D050"/>
+            <a:schemeClr val="bg1"/>
           </a:solidFill>
         </p:spPr>
         <p:style>
@@ -5664,7 +5793,11 @@
           <a:p>
             <a:pPr algn="ctr"/>
             <a:r>
-              <a:rPr lang="en-US" sz="1400" dirty="0"/>
+              <a:rPr lang="en-US" sz="1400" dirty="0">
+                <a:solidFill>
+                  <a:schemeClr val="tx1"/>
+                </a:solidFill>
+              </a:rPr>
               <a:t>Decision Trees</a:t>
             </a:r>
           </a:p>
@@ -5685,7 +5818,7 @@
             <a:avLst/>
           </a:prstGeom>
           <a:solidFill>
-            <a:srgbClr val="92D050"/>
+            <a:schemeClr val="bg1"/>
           </a:solidFill>
         </p:spPr>
         <p:style>
@@ -5710,10 +5843,18 @@
           <a:p>
             <a:pPr algn="ctr"/>
             <a:r>
-              <a:rPr lang="en-US" sz="1400" dirty="0" err="1"/>
+              <a:rPr lang="en-US" sz="1400" dirty="0" err="1">
+                <a:solidFill>
+                  <a:schemeClr val="tx1"/>
+                </a:solidFill>
+              </a:rPr>
               <a:t>kNeighbors</a:t>
             </a:r>
-            <a:endParaRPr lang="en-US" sz="1400" dirty="0"/>
+            <a:endParaRPr lang="en-US" sz="1400" dirty="0">
+              <a:solidFill>
+                <a:schemeClr val="tx1"/>
+              </a:solidFill>
+            </a:endParaRPr>
           </a:p>
         </p:txBody>
       </p:sp>
@@ -5732,7 +5873,7 @@
             <a:avLst/>
           </a:prstGeom>
           <a:solidFill>
-            <a:srgbClr val="92D050"/>
+            <a:schemeClr val="bg1"/>
           </a:solidFill>
         </p:spPr>
         <p:style>
@@ -5757,7 +5898,11 @@
           <a:p>
             <a:pPr algn="ctr"/>
             <a:r>
-              <a:rPr lang="en-US" sz="1400" dirty="0"/>
+              <a:rPr lang="en-US" sz="1400" dirty="0">
+                <a:solidFill>
+                  <a:schemeClr val="tx1"/>
+                </a:solidFill>
+              </a:rPr>
               <a:t>Ada-Boost</a:t>
             </a:r>
           </a:p>
@@ -5778,7 +5923,7 @@
             <a:avLst/>
           </a:prstGeom>
           <a:solidFill>
-            <a:srgbClr val="92D050"/>
+            <a:schemeClr val="bg1"/>
           </a:solidFill>
         </p:spPr>
         <p:style>
@@ -5803,7 +5948,11 @@
           <a:p>
             <a:pPr algn="ctr"/>
             <a:r>
-              <a:rPr lang="en-US" sz="1400" dirty="0"/>
+              <a:rPr lang="en-US" sz="1400" dirty="0">
+                <a:solidFill>
+                  <a:schemeClr val="tx1"/>
+                </a:solidFill>
+              </a:rPr>
               <a:t>Naïve Bayes</a:t>
             </a:r>
           </a:p>
@@ -6017,7 +6166,7 @@
             <a:avLst/>
           </a:prstGeom>
           <a:solidFill>
-            <a:srgbClr val="92D050"/>
+            <a:schemeClr val="bg1"/>
           </a:solidFill>
         </p:spPr>
         <p:style>
@@ -6047,7 +6196,11 @@
           <a:p>
             <a:pPr algn="ctr"/>
             <a:r>
-              <a:rPr lang="en-US" sz="1400" dirty="0"/>
+              <a:rPr lang="en-US" sz="1400" dirty="0">
+                <a:solidFill>
+                  <a:schemeClr val="tx1"/>
+                </a:solidFill>
+              </a:rPr>
               <a:t>Select SP500 Index</a:t>
             </a:r>
           </a:p>
@@ -6068,7 +6221,7 @@
             <a:avLst/>
           </a:prstGeom>
           <a:solidFill>
-            <a:srgbClr val="92D050"/>
+            <a:schemeClr val="bg1"/>
           </a:solidFill>
         </p:spPr>
         <p:style>
@@ -6098,7 +6251,11 @@
           <a:p>
             <a:pPr algn="ctr"/>
             <a:r>
-              <a:rPr lang="en-US" sz="1400" dirty="0"/>
+              <a:rPr lang="en-US" sz="1400" dirty="0">
+                <a:solidFill>
+                  <a:schemeClr val="tx1"/>
+                </a:solidFill>
+              </a:rPr>
               <a:t>Select Stocks</a:t>
             </a:r>
           </a:p>
@@ -6119,7 +6276,7 @@
             <a:avLst/>
           </a:prstGeom>
           <a:solidFill>
-            <a:srgbClr val="92D050"/>
+            <a:schemeClr val="bg1"/>
           </a:solidFill>
         </p:spPr>
         <p:style>
@@ -6149,7 +6306,11 @@
           <a:p>
             <a:pPr algn="ctr"/>
             <a:r>
-              <a:rPr lang="en-US" sz="1400" dirty="0"/>
+              <a:rPr lang="en-US" sz="1400" dirty="0">
+                <a:solidFill>
+                  <a:schemeClr val="tx1"/>
+                </a:solidFill>
+              </a:rPr>
               <a:t>Predict Labels</a:t>
             </a:r>
           </a:p>
@@ -6229,7 +6390,7 @@
             <a:avLst/>
           </a:prstGeom>
           <a:solidFill>
-            <a:srgbClr val="92D050"/>
+            <a:schemeClr val="bg1"/>
           </a:solidFill>
         </p:spPr>
         <p:style>
@@ -6259,15 +6420,27 @@
           <a:p>
             <a:pPr algn="ctr"/>
             <a:r>
-              <a:rPr lang="en-US" sz="1400" dirty="0"/>
+              <a:rPr lang="en-US" sz="1400" dirty="0">
+                <a:solidFill>
+                  <a:schemeClr val="tx1"/>
+                </a:solidFill>
+              </a:rPr>
               <a:t>Use </a:t>
             </a:r>
             <a:r>
-              <a:rPr lang="en-US" sz="1400" dirty="0" err="1"/>
+              <a:rPr lang="en-US" sz="1400" dirty="0" err="1">
+                <a:solidFill>
+                  <a:schemeClr val="tx1"/>
+                </a:solidFill>
+              </a:rPr>
               <a:t>Softmax</a:t>
             </a:r>
             <a:r>
-              <a:rPr lang="en-US" sz="1400" dirty="0"/>
+              <a:rPr lang="en-US" sz="1400" dirty="0">
+                <a:solidFill>
+                  <a:schemeClr val="tx1"/>
+                </a:solidFill>
+              </a:rPr>
               <a:t> to chose action</a:t>
             </a:r>
           </a:p>
@@ -6552,7 +6725,7 @@
             <a:avLst/>
           </a:prstGeom>
           <a:solidFill>
-            <a:srgbClr val="92D050"/>
+            <a:schemeClr val="bg1"/>
           </a:solidFill>
         </p:spPr>
         <p:style>
@@ -6582,7 +6755,11 @@
           <a:p>
             <a:pPr algn="ctr"/>
             <a:r>
-              <a:rPr lang="en-US" sz="1400" dirty="0"/>
+              <a:rPr lang="en-US" sz="1400" dirty="0">
+                <a:solidFill>
+                  <a:schemeClr val="tx1"/>
+                </a:solidFill>
+              </a:rPr>
               <a:t>Issue Selling Orders</a:t>
             </a:r>
           </a:p>
@@ -6603,7 +6780,7 @@
             <a:avLst/>
           </a:prstGeom>
           <a:solidFill>
-            <a:srgbClr val="92D050"/>
+            <a:schemeClr val="bg1"/>
           </a:solidFill>
         </p:spPr>
         <p:style>
@@ -6633,7 +6810,11 @@
           <a:p>
             <a:pPr algn="ctr"/>
             <a:r>
-              <a:rPr lang="en-US" sz="1400" dirty="0"/>
+              <a:rPr lang="en-US" sz="1400" dirty="0">
+                <a:solidFill>
+                  <a:schemeClr val="tx1"/>
+                </a:solidFill>
+              </a:rPr>
               <a:t>Calculate the best transaction price for Buying</a:t>
             </a:r>
           </a:p>
@@ -6690,7 +6871,7 @@
             <a:avLst/>
           </a:prstGeom>
           <a:solidFill>
-            <a:srgbClr val="92D050"/>
+            <a:schemeClr val="bg1"/>
           </a:solidFill>
         </p:spPr>
         <p:style>
@@ -6720,7 +6901,11 @@
           <a:p>
             <a:pPr algn="ctr"/>
             <a:r>
-              <a:rPr lang="en-US" sz="1400" dirty="0"/>
+              <a:rPr lang="en-US" sz="1400" dirty="0">
+                <a:solidFill>
+                  <a:schemeClr val="tx1"/>
+                </a:solidFill>
+              </a:rPr>
               <a:t>Calculate the best transaction price for Selling</a:t>
             </a:r>
           </a:p>
@@ -6777,7 +6962,7 @@
             <a:avLst/>
           </a:prstGeom>
           <a:solidFill>
-            <a:srgbClr val="92D050"/>
+            <a:schemeClr val="bg1"/>
           </a:solidFill>
         </p:spPr>
         <p:style>
@@ -6807,7 +6992,11 @@
           <a:p>
             <a:pPr algn="ctr"/>
             <a:r>
-              <a:rPr lang="en-US" sz="1400" dirty="0"/>
+              <a:rPr lang="en-US" sz="1400" dirty="0">
+                <a:solidFill>
+                  <a:schemeClr val="tx1"/>
+                </a:solidFill>
+              </a:rPr>
               <a:t>Market executes acceptable orders</a:t>
             </a:r>
           </a:p>
@@ -6864,7 +7053,7 @@
             <a:avLst/>
           </a:prstGeom>
           <a:solidFill>
-            <a:srgbClr val="92D050"/>
+            <a:schemeClr val="bg1"/>
           </a:solidFill>
         </p:spPr>
         <p:style>
@@ -6894,14 +7083,13 @@
           <a:p>
             <a:pPr algn="ctr"/>
             <a:r>
-              <a:rPr lang="en-US" sz="1400" dirty="0"/>
-              <a:t>Issue buying orders, aligned with index composition and </a:t>
-            </a:r>
-            <a:r>
-              <a:rPr lang="en-US" sz="1400" dirty="0"/>
-              <a:t>available funds</a:t>
-            </a:r>
-            <a:endParaRPr lang="en-US" sz="1400" dirty="0"/>
+              <a:rPr lang="en-US" sz="1400" dirty="0">
+                <a:solidFill>
+                  <a:schemeClr val="tx1"/>
+                </a:solidFill>
+              </a:rPr>
+              <a:t>Issue buying orders, aligned with index composition and available funds</a:t>
+            </a:r>
           </a:p>
         </p:txBody>
       </p:sp>
@@ -6956,7 +7144,7 @@
             <a:avLst/>
           </a:prstGeom>
           <a:solidFill>
-            <a:srgbClr val="92D050"/>
+            <a:schemeClr val="bg1"/>
           </a:solidFill>
         </p:spPr>
         <p:style>
@@ -6986,7 +7174,11 @@
           <a:p>
             <a:pPr algn="ctr"/>
             <a:r>
-              <a:rPr lang="en-US" sz="1400" dirty="0"/>
+              <a:rPr lang="en-US" sz="1400" dirty="0">
+                <a:solidFill>
+                  <a:schemeClr val="tx1"/>
+                </a:solidFill>
+              </a:rPr>
               <a:t>Market executes acceptable orders</a:t>
             </a:r>
           </a:p>
@@ -7043,7 +7235,7 @@
             <a:avLst/>
           </a:prstGeom>
           <a:solidFill>
-            <a:srgbClr val="92D050"/>
+            <a:schemeClr val="bg1"/>
           </a:solidFill>
         </p:spPr>
         <p:style>
@@ -7073,7 +7265,11 @@
           <a:p>
             <a:pPr algn="ctr"/>
             <a:r>
-              <a:rPr lang="en-US" sz="1400" dirty="0"/>
+              <a:rPr lang="en-US" sz="1400" dirty="0">
+                <a:solidFill>
+                  <a:schemeClr val="tx1"/>
+                </a:solidFill>
+              </a:rPr>
               <a:t>Calculate Rewards</a:t>
             </a:r>
           </a:p>
@@ -7130,7 +7326,7 @@
             <a:avLst/>
           </a:prstGeom>
           <a:solidFill>
-            <a:srgbClr val="92D050"/>
+            <a:schemeClr val="bg1"/>
           </a:solidFill>
         </p:spPr>
         <p:style>
@@ -7160,7 +7356,11 @@
           <a:p>
             <a:pPr algn="ctr"/>
             <a:r>
-              <a:rPr lang="en-US" sz="1400" dirty="0"/>
+              <a:rPr lang="en-US" sz="1400" dirty="0">
+                <a:solidFill>
+                  <a:schemeClr val="tx1"/>
+                </a:solidFill>
+              </a:rPr>
               <a:t>Calculate Rewards</a:t>
             </a:r>
           </a:p>
@@ -7217,7 +7417,7 @@
             <a:avLst/>
           </a:prstGeom>
           <a:solidFill>
-            <a:srgbClr val="92D050"/>
+            <a:schemeClr val="bg1"/>
           </a:solidFill>
         </p:spPr>
         <p:style>
@@ -7247,7 +7447,11 @@
           <a:p>
             <a:pPr algn="ctr"/>
             <a:r>
-              <a:rPr lang="en-US" sz="1400" dirty="0"/>
+              <a:rPr lang="en-US" sz="1400" dirty="0">
+                <a:solidFill>
+                  <a:schemeClr val="tx1"/>
+                </a:solidFill>
+              </a:rPr>
               <a:t>Update Q-table and move to the next day</a:t>
             </a:r>
           </a:p>
@@ -7498,6 +7702,483 @@
     <p:extLst>
       <p:ext uri="{BB962C8B-B14F-4D97-AF65-F5344CB8AC3E}">
         <p14:creationId xmlns:p14="http://schemas.microsoft.com/office/powerpoint/2010/main" val="3659091071"/>
+      </p:ext>
+    </p:extLst>
+  </p:cSld>
+  <p:clrMapOvr>
+    <a:masterClrMapping/>
+  </p:clrMapOvr>
+</p:sld>
+</file>
+
+<file path=ppt/slides/slide4.xml><?xml version="1.0" encoding="utf-8"?>
+<p:sld xmlns:a="http://schemas.openxmlformats.org/drawingml/2006/main" xmlns:r="http://schemas.openxmlformats.org/officeDocument/2006/relationships" xmlns:p="http://schemas.openxmlformats.org/presentationml/2006/main">
+  <p:cSld>
+    <p:spTree>
+      <p:nvGrpSpPr>
+        <p:cNvPr id="1" name=""/>
+        <p:cNvGrpSpPr/>
+        <p:nvPr/>
+      </p:nvGrpSpPr>
+      <p:grpSpPr>
+        <a:xfrm>
+          <a:off x="0" y="0"/>
+          <a:ext cx="0" cy="0"/>
+          <a:chOff x="0" y="0"/>
+          <a:chExt cx="0" cy="0"/>
+        </a:xfrm>
+      </p:grpSpPr>
+      <p:pic>
+        <p:nvPicPr>
+          <p:cNvPr id="4" name="Picture 3"/>
+          <p:cNvPicPr>
+            <a:picLocks noChangeAspect="1"/>
+          </p:cNvPicPr>
+          <p:nvPr/>
+        </p:nvPicPr>
+        <p:blipFill>
+          <a:blip r:embed="rId2"/>
+          <a:stretch>
+            <a:fillRect/>
+          </a:stretch>
+        </p:blipFill>
+        <p:spPr>
+          <a:xfrm>
+            <a:off x="1100321" y="618565"/>
+            <a:ext cx="895846" cy="4007224"/>
+          </a:xfrm>
+          <a:prstGeom prst="rect">
+            <a:avLst/>
+          </a:prstGeom>
+        </p:spPr>
+      </p:pic>
+      <p:pic>
+        <p:nvPicPr>
+          <p:cNvPr id="5" name="Picture 4"/>
+          <p:cNvPicPr>
+            <a:picLocks noChangeAspect="1"/>
+          </p:cNvPicPr>
+          <p:nvPr/>
+        </p:nvPicPr>
+        <p:blipFill>
+          <a:blip r:embed="rId3"/>
+          <a:stretch>
+            <a:fillRect/>
+          </a:stretch>
+        </p:blipFill>
+        <p:spPr>
+          <a:xfrm>
+            <a:off x="2880472" y="1589611"/>
+            <a:ext cx="837640" cy="2060401"/>
+          </a:xfrm>
+          <a:prstGeom prst="rect">
+            <a:avLst/>
+          </a:prstGeom>
+        </p:spPr>
+      </p:pic>
+      <p:cxnSp>
+        <p:nvCxnSpPr>
+          <p:cNvPr id="6" name="Straight Arrow Connector 5"/>
+          <p:cNvCxnSpPr/>
+          <p:nvPr/>
+        </p:nvCxnSpPr>
+        <p:spPr>
+          <a:xfrm>
+            <a:off x="2232830" y="2619812"/>
+            <a:ext cx="465527" cy="0"/>
+          </a:xfrm>
+          <a:prstGeom prst="straightConnector1">
+            <a:avLst/>
+          </a:prstGeom>
+          <a:ln w="177800">
+            <a:tailEnd type="triangle" w="sm" len="sm"/>
+          </a:ln>
+        </p:spPr>
+        <p:style>
+          <a:lnRef idx="1">
+            <a:schemeClr val="accent1"/>
+          </a:lnRef>
+          <a:fillRef idx="0">
+            <a:schemeClr val="accent1"/>
+          </a:fillRef>
+          <a:effectRef idx="0">
+            <a:schemeClr val="accent1"/>
+          </a:effectRef>
+          <a:fontRef idx="minor">
+            <a:schemeClr val="tx1"/>
+          </a:fontRef>
+        </p:style>
+      </p:cxnSp>
+      <p:pic>
+        <p:nvPicPr>
+          <p:cNvPr id="2" name="Picture 1"/>
+          <p:cNvPicPr>
+            <a:picLocks noChangeAspect="1"/>
+          </p:cNvPicPr>
+          <p:nvPr/>
+        </p:nvPicPr>
+        <p:blipFill>
+          <a:blip r:embed="rId4"/>
+          <a:stretch>
+            <a:fillRect/>
+          </a:stretch>
+        </p:blipFill>
+        <p:spPr>
+          <a:xfrm>
+            <a:off x="3753913" y="673698"/>
+            <a:ext cx="5878278" cy="5123329"/>
+          </a:xfrm>
+          <a:prstGeom prst="rect">
+            <a:avLst/>
+          </a:prstGeom>
+        </p:spPr>
+      </p:pic>
+      <p:sp>
+        <p:nvSpPr>
+          <p:cNvPr id="3" name="Rectangle 2"/>
+          <p:cNvSpPr/>
+          <p:nvPr/>
+        </p:nvSpPr>
+        <p:spPr>
+          <a:xfrm>
+            <a:off x="9632191" y="800919"/>
+            <a:ext cx="2310668" cy="4780155"/>
+          </a:xfrm>
+          <a:prstGeom prst="rect">
+            <a:avLst/>
+          </a:prstGeom>
+        </p:spPr>
+        <p:txBody>
+          <a:bodyPr wrap="square">
+            <a:spAutoFit/>
+          </a:bodyPr>
+          <a:lstStyle/>
+          <a:p>
+            <a:pPr>
+              <a:lnSpc>
+                <a:spcPct val="107000"/>
+              </a:lnSpc>
+              <a:spcAft>
+                <a:spcPts val="800"/>
+              </a:spcAft>
+            </a:pPr>
+            <a:r>
+              <a:rPr lang="en-US" sz="1200" dirty="0">
+                <a:latin typeface="Calibri" panose="020F0502020204030204" pitchFamily="34" charset="0"/>
+                <a:ea typeface="Calibri" panose="020F0502020204030204" pitchFamily="34" charset="0"/>
+                <a:cs typeface="Times New Roman" panose="02020603050405020304" pitchFamily="18" charset="0"/>
+              </a:rPr>
+              <a:t>f0: Bull Bear Spread</a:t>
+            </a:r>
+          </a:p>
+          <a:p>
+            <a:pPr>
+              <a:lnSpc>
+                <a:spcPct val="107000"/>
+              </a:lnSpc>
+              <a:spcAft>
+                <a:spcPts val="800"/>
+              </a:spcAft>
+            </a:pPr>
+            <a:r>
+              <a:rPr lang="en-US" sz="1200" dirty="0">
+                <a:latin typeface="Calibri" panose="020F0502020204030204" pitchFamily="34" charset="0"/>
+                <a:ea typeface="Calibri" panose="020F0502020204030204" pitchFamily="34" charset="0"/>
+                <a:cs typeface="Times New Roman" panose="02020603050405020304" pitchFamily="18" charset="0"/>
+              </a:rPr>
+              <a:t>f1: Price Book Ratio</a:t>
+            </a:r>
+          </a:p>
+          <a:p>
+            <a:pPr>
+              <a:lnSpc>
+                <a:spcPct val="107000"/>
+              </a:lnSpc>
+              <a:spcAft>
+                <a:spcPts val="800"/>
+              </a:spcAft>
+            </a:pPr>
+            <a:r>
+              <a:rPr lang="en-US" sz="1200" dirty="0">
+                <a:latin typeface="Calibri" panose="020F0502020204030204" pitchFamily="34" charset="0"/>
+                <a:ea typeface="Calibri" panose="020F0502020204030204" pitchFamily="34" charset="0"/>
+                <a:cs typeface="Times New Roman" panose="02020603050405020304" pitchFamily="18" charset="0"/>
+              </a:rPr>
+              <a:t>f2: Price Earnings Share</a:t>
+            </a:r>
+          </a:p>
+          <a:p>
+            <a:pPr>
+              <a:lnSpc>
+                <a:spcPct val="107000"/>
+              </a:lnSpc>
+              <a:spcAft>
+                <a:spcPts val="800"/>
+              </a:spcAft>
+            </a:pPr>
+            <a:r>
+              <a:rPr lang="en-US" sz="1200" dirty="0">
+                <a:latin typeface="Calibri" panose="020F0502020204030204" pitchFamily="34" charset="0"/>
+                <a:ea typeface="Calibri" panose="020F0502020204030204" pitchFamily="34" charset="0"/>
+                <a:cs typeface="Times New Roman" panose="02020603050405020304" pitchFamily="18" charset="0"/>
+              </a:rPr>
+              <a:t>f3: 1 day Momentum</a:t>
+            </a:r>
+          </a:p>
+          <a:p>
+            <a:pPr>
+              <a:lnSpc>
+                <a:spcPct val="107000"/>
+              </a:lnSpc>
+              <a:spcAft>
+                <a:spcPts val="800"/>
+              </a:spcAft>
+            </a:pPr>
+            <a:r>
+              <a:rPr lang="en-US" sz="1200" dirty="0">
+                <a:latin typeface="Calibri" panose="020F0502020204030204" pitchFamily="34" charset="0"/>
+                <a:ea typeface="Calibri" panose="020F0502020204030204" pitchFamily="34" charset="0"/>
+                <a:cs typeface="Times New Roman" panose="02020603050405020304" pitchFamily="18" charset="0"/>
+              </a:rPr>
+              <a:t>f4: 2 days Momentum</a:t>
+            </a:r>
+          </a:p>
+          <a:p>
+            <a:pPr>
+              <a:lnSpc>
+                <a:spcPct val="107000"/>
+              </a:lnSpc>
+              <a:spcAft>
+                <a:spcPts val="800"/>
+              </a:spcAft>
+            </a:pPr>
+            <a:r>
+              <a:rPr lang="en-US" sz="1200" dirty="0">
+                <a:latin typeface="Calibri" panose="020F0502020204030204" pitchFamily="34" charset="0"/>
+                <a:ea typeface="Calibri" panose="020F0502020204030204" pitchFamily="34" charset="0"/>
+                <a:cs typeface="Times New Roman" panose="02020603050405020304" pitchFamily="18" charset="0"/>
+              </a:rPr>
+              <a:t>f5: 5 days Momentum</a:t>
+            </a:r>
+          </a:p>
+          <a:p>
+            <a:pPr>
+              <a:lnSpc>
+                <a:spcPct val="107000"/>
+              </a:lnSpc>
+              <a:spcAft>
+                <a:spcPts val="800"/>
+              </a:spcAft>
+            </a:pPr>
+            <a:r>
+              <a:rPr lang="en-US" sz="1200" dirty="0">
+                <a:latin typeface="Calibri" panose="020F0502020204030204" pitchFamily="34" charset="0"/>
+                <a:ea typeface="Calibri" panose="020F0502020204030204" pitchFamily="34" charset="0"/>
+                <a:cs typeface="Times New Roman" panose="02020603050405020304" pitchFamily="18" charset="0"/>
+              </a:rPr>
+              <a:t>f6: 30 days Standard Moving </a:t>
+            </a:r>
+            <a:r>
+              <a:rPr lang="en-US" sz="1200" dirty="0" err="1">
+                <a:latin typeface="Calibri" panose="020F0502020204030204" pitchFamily="34" charset="0"/>
+                <a:ea typeface="Calibri" panose="020F0502020204030204" pitchFamily="34" charset="0"/>
+                <a:cs typeface="Times New Roman" panose="02020603050405020304" pitchFamily="18" charset="0"/>
+              </a:rPr>
+              <a:t>Avg</a:t>
+            </a:r>
+            <a:endParaRPr lang="en-US" sz="1200" dirty="0">
+              <a:latin typeface="Calibri" panose="020F0502020204030204" pitchFamily="34" charset="0"/>
+              <a:ea typeface="Calibri" panose="020F0502020204030204" pitchFamily="34" charset="0"/>
+              <a:cs typeface="Times New Roman" panose="02020603050405020304" pitchFamily="18" charset="0"/>
+            </a:endParaRPr>
+          </a:p>
+          <a:p>
+            <a:pPr>
+              <a:lnSpc>
+                <a:spcPct val="107000"/>
+              </a:lnSpc>
+              <a:spcAft>
+                <a:spcPts val="800"/>
+              </a:spcAft>
+            </a:pPr>
+            <a:r>
+              <a:rPr lang="en-US" sz="1200" dirty="0">
+                <a:latin typeface="Calibri" panose="020F0502020204030204" pitchFamily="34" charset="0"/>
+                <a:ea typeface="Calibri" panose="020F0502020204030204" pitchFamily="34" charset="0"/>
+                <a:cs typeface="Times New Roman" panose="02020603050405020304" pitchFamily="18" charset="0"/>
+              </a:rPr>
+              <a:t>f7: 30 days max</a:t>
+            </a:r>
+          </a:p>
+          <a:p>
+            <a:pPr>
+              <a:lnSpc>
+                <a:spcPct val="107000"/>
+              </a:lnSpc>
+              <a:spcAft>
+                <a:spcPts val="800"/>
+              </a:spcAft>
+            </a:pPr>
+            <a:r>
+              <a:rPr lang="en-US" sz="1200" dirty="0">
+                <a:latin typeface="Calibri" panose="020F0502020204030204" pitchFamily="34" charset="0"/>
+                <a:ea typeface="Calibri" panose="020F0502020204030204" pitchFamily="34" charset="0"/>
+                <a:cs typeface="Times New Roman" panose="02020603050405020304" pitchFamily="18" charset="0"/>
+              </a:rPr>
+              <a:t>f8: 30 days min</a:t>
+            </a:r>
+          </a:p>
+          <a:p>
+            <a:pPr>
+              <a:lnSpc>
+                <a:spcPct val="107000"/>
+              </a:lnSpc>
+              <a:spcAft>
+                <a:spcPts val="800"/>
+              </a:spcAft>
+            </a:pPr>
+            <a:r>
+              <a:rPr lang="en-US" sz="1200" dirty="0">
+                <a:latin typeface="Calibri" panose="020F0502020204030204" pitchFamily="34" charset="0"/>
+                <a:ea typeface="Calibri" panose="020F0502020204030204" pitchFamily="34" charset="0"/>
+                <a:cs typeface="Times New Roman" panose="02020603050405020304" pitchFamily="18" charset="0"/>
+              </a:rPr>
+              <a:t>f9: 5 days Volatility</a:t>
+            </a:r>
+          </a:p>
+          <a:p>
+            <a:pPr>
+              <a:lnSpc>
+                <a:spcPct val="107000"/>
+              </a:lnSpc>
+              <a:spcAft>
+                <a:spcPts val="800"/>
+              </a:spcAft>
+            </a:pPr>
+            <a:r>
+              <a:rPr lang="en-US" sz="1200" dirty="0">
+                <a:latin typeface="Calibri" panose="020F0502020204030204" pitchFamily="34" charset="0"/>
+                <a:ea typeface="Calibri" panose="020F0502020204030204" pitchFamily="34" charset="0"/>
+                <a:cs typeface="Times New Roman" panose="02020603050405020304" pitchFamily="18" charset="0"/>
+              </a:rPr>
+              <a:t>f10: Bollinger Bands®</a:t>
+            </a:r>
+          </a:p>
+          <a:p>
+            <a:pPr>
+              <a:lnSpc>
+                <a:spcPct val="107000"/>
+              </a:lnSpc>
+              <a:spcAft>
+                <a:spcPts val="800"/>
+              </a:spcAft>
+            </a:pPr>
+            <a:r>
+              <a:rPr lang="en-US" sz="1200" dirty="0">
+                <a:latin typeface="Calibri" panose="020F0502020204030204" pitchFamily="34" charset="0"/>
+                <a:ea typeface="Calibri" panose="020F0502020204030204" pitchFamily="34" charset="0"/>
+                <a:cs typeface="Times New Roman" panose="02020603050405020304" pitchFamily="18" charset="0"/>
+              </a:rPr>
+              <a:t>f11: 1 day Delta to Expectation</a:t>
+            </a:r>
+          </a:p>
+          <a:p>
+            <a:pPr>
+              <a:lnSpc>
+                <a:spcPct val="107000"/>
+              </a:lnSpc>
+              <a:spcAft>
+                <a:spcPts val="800"/>
+              </a:spcAft>
+            </a:pPr>
+            <a:r>
+              <a:rPr lang="en-US" sz="1200" dirty="0">
+                <a:latin typeface="Calibri" panose="020F0502020204030204" pitchFamily="34" charset="0"/>
+                <a:ea typeface="Calibri" panose="020F0502020204030204" pitchFamily="34" charset="0"/>
+                <a:cs typeface="Times New Roman" panose="02020603050405020304" pitchFamily="18" charset="0"/>
+              </a:rPr>
+              <a:t>f12: 2 days Delta </a:t>
+            </a:r>
+            <a:r>
+              <a:rPr lang="en-US" sz="1200" dirty="0">
+                <a:latin typeface="Calibri" panose="020F0502020204030204" pitchFamily="34" charset="0"/>
+                <a:ea typeface="Calibri" panose="020F0502020204030204" pitchFamily="34" charset="0"/>
+                <a:cs typeface="Times New Roman" panose="02020603050405020304" pitchFamily="18" charset="0"/>
+              </a:rPr>
+              <a:t>to Expectation</a:t>
+            </a:r>
+            <a:endParaRPr lang="en-US" sz="1200" dirty="0">
+              <a:latin typeface="Calibri" panose="020F0502020204030204" pitchFamily="34" charset="0"/>
+              <a:ea typeface="Calibri" panose="020F0502020204030204" pitchFamily="34" charset="0"/>
+              <a:cs typeface="Times New Roman" panose="02020603050405020304" pitchFamily="18" charset="0"/>
+            </a:endParaRPr>
+          </a:p>
+          <a:p>
+            <a:pPr>
+              <a:lnSpc>
+                <a:spcPct val="107000"/>
+              </a:lnSpc>
+              <a:spcAft>
+                <a:spcPts val="800"/>
+              </a:spcAft>
+            </a:pPr>
+            <a:r>
+              <a:rPr lang="en-US" sz="1200" dirty="0">
+                <a:latin typeface="Calibri" panose="020F0502020204030204" pitchFamily="34" charset="0"/>
+                <a:ea typeface="Calibri" panose="020F0502020204030204" pitchFamily="34" charset="0"/>
+                <a:cs typeface="Times New Roman" panose="02020603050405020304" pitchFamily="18" charset="0"/>
+              </a:rPr>
+              <a:t>f13: 5 days Delta </a:t>
+            </a:r>
+            <a:r>
+              <a:rPr lang="en-US" sz="1200" dirty="0">
+                <a:latin typeface="Calibri" panose="020F0502020204030204" pitchFamily="34" charset="0"/>
+                <a:ea typeface="Calibri" panose="020F0502020204030204" pitchFamily="34" charset="0"/>
+                <a:cs typeface="Times New Roman" panose="02020603050405020304" pitchFamily="18" charset="0"/>
+              </a:rPr>
+              <a:t>to Expectation</a:t>
+            </a:r>
+            <a:endParaRPr lang="en-US" sz="1200" dirty="0">
+              <a:latin typeface="Calibri" panose="020F0502020204030204" pitchFamily="34" charset="0"/>
+              <a:ea typeface="Calibri" panose="020F0502020204030204" pitchFamily="34" charset="0"/>
+              <a:cs typeface="Times New Roman" panose="02020603050405020304" pitchFamily="18" charset="0"/>
+            </a:endParaRPr>
+          </a:p>
+          <a:p>
+            <a:pPr>
+              <a:lnSpc>
+                <a:spcPct val="107000"/>
+              </a:lnSpc>
+              <a:spcAft>
+                <a:spcPts val="800"/>
+              </a:spcAft>
+            </a:pPr>
+            <a:r>
+              <a:rPr lang="en-US" sz="1200" dirty="0">
+                <a:latin typeface="Calibri" panose="020F0502020204030204" pitchFamily="34" charset="0"/>
+                <a:ea typeface="Calibri" panose="020F0502020204030204" pitchFamily="34" charset="0"/>
+                <a:cs typeface="Times New Roman" panose="02020603050405020304" pitchFamily="18" charset="0"/>
+              </a:rPr>
+              <a:t>f14: Nasdaq Short Sells</a:t>
+            </a:r>
+          </a:p>
+          <a:p>
+            <a:r>
+              <a:rPr lang="en-US" sz="1200" dirty="0">
+                <a:latin typeface="Calibri" panose="020F0502020204030204" pitchFamily="34" charset="0"/>
+                <a:ea typeface="Calibri" panose="020F0502020204030204" pitchFamily="34" charset="0"/>
+                <a:cs typeface="Times New Roman" panose="02020603050405020304" pitchFamily="18" charset="0"/>
+              </a:rPr>
+              <a:t>f15: NYSE Short Sells</a:t>
+            </a:r>
+            <a:endParaRPr lang="en-US" sz="1200" dirty="0"/>
+          </a:p>
+        </p:txBody>
+      </p:sp>
+    </p:spTree>
+    <p:extLst>
+      <p:ext uri="{BB962C8B-B14F-4D97-AF65-F5344CB8AC3E}">
+        <p14:creationId xmlns:p14="http://schemas.microsoft.com/office/powerpoint/2010/main" val="325462801"/>
       </p:ext>
     </p:extLst>
   </p:cSld>
